--- a/cardivasular disease ppt.pptx
+++ b/cardivasular disease ppt.pptx
@@ -372,7 +372,7 @@
             <a:fld id="{B61BEF0D-F0BB-DE4B-95CE-6DB70DBA9567}" type="datetimeFigureOut">
               <a:rPr lang="en-US" dirty="0"/>
               <a:pPr/>
-              <a:t>4/4/2024</a:t>
+              <a:t>4/25/2024</a:t>
             </a:fld>
             <a:endParaRPr lang="en-US" dirty="0"/>
           </a:p>
@@ -631,7 +631,7 @@
             <a:fld id="{B61BEF0D-F0BB-DE4B-95CE-6DB70DBA9567}" type="datetimeFigureOut">
               <a:rPr lang="en-US" dirty="0"/>
               <a:pPr/>
-              <a:t>4/4/2024</a:t>
+              <a:t>4/25/2024</a:t>
             </a:fld>
             <a:endParaRPr lang="en-US" dirty="0"/>
           </a:p>
@@ -863,7 +863,7 @@
             <a:fld id="{B61BEF0D-F0BB-DE4B-95CE-6DB70DBA9567}" type="datetimeFigureOut">
               <a:rPr lang="en-US" dirty="0"/>
               <a:pPr/>
-              <a:t>4/4/2024</a:t>
+              <a:t>4/25/2024</a:t>
             </a:fld>
             <a:endParaRPr lang="en-US" dirty="0"/>
           </a:p>
@@ -1100,7 +1100,7 @@
             <a:fld id="{B61BEF0D-F0BB-DE4B-95CE-6DB70DBA9567}" type="datetimeFigureOut">
               <a:rPr lang="en-US" dirty="0"/>
               <a:pPr/>
-              <a:t>4/4/2024</a:t>
+              <a:t>4/25/2024</a:t>
             </a:fld>
             <a:endParaRPr lang="en-US" dirty="0"/>
           </a:p>
@@ -1404,7 +1404,7 @@
             <a:fld id="{B61BEF0D-F0BB-DE4B-95CE-6DB70DBA9567}" type="datetimeFigureOut">
               <a:rPr lang="en-US" dirty="0"/>
               <a:pPr/>
-              <a:t>4/4/2024</a:t>
+              <a:t>4/25/2024</a:t>
             </a:fld>
             <a:endParaRPr lang="en-US" dirty="0"/>
           </a:p>
@@ -1703,7 +1703,7 @@
             <a:fld id="{B61BEF0D-F0BB-DE4B-95CE-6DB70DBA9567}" type="datetimeFigureOut">
               <a:rPr lang="en-US" dirty="0"/>
               <a:pPr/>
-              <a:t>4/4/2024</a:t>
+              <a:t>4/25/2024</a:t>
             </a:fld>
             <a:endParaRPr lang="en-US" dirty="0"/>
           </a:p>
@@ -2122,7 +2122,7 @@
             <a:fld id="{B61BEF0D-F0BB-DE4B-95CE-6DB70DBA9567}" type="datetimeFigureOut">
               <a:rPr lang="en-US" dirty="0"/>
               <a:pPr/>
-              <a:t>4/4/2024</a:t>
+              <a:t>4/25/2024</a:t>
             </a:fld>
             <a:endParaRPr lang="en-US" dirty="0"/>
           </a:p>
@@ -2281,7 +2281,7 @@
             <a:fld id="{B61BEF0D-F0BB-DE4B-95CE-6DB70DBA9567}" type="datetimeFigureOut">
               <a:rPr lang="en-US" dirty="0"/>
               <a:pPr/>
-              <a:t>4/4/2024</a:t>
+              <a:t>4/25/2024</a:t>
             </a:fld>
             <a:endParaRPr lang="en-US" dirty="0"/>
           </a:p>
@@ -2373,7 +2373,7 @@
             <a:fld id="{B61BEF0D-F0BB-DE4B-95CE-6DB70DBA9567}" type="datetimeFigureOut">
               <a:rPr lang="en-US" dirty="0"/>
               <a:pPr/>
-              <a:t>4/4/2024</a:t>
+              <a:t>4/25/2024</a:t>
             </a:fld>
             <a:endParaRPr lang="en-US" dirty="0"/>
           </a:p>
@@ -2748,7 +2748,7 @@
             <a:fld id="{B61BEF0D-F0BB-DE4B-95CE-6DB70DBA9567}" type="datetimeFigureOut">
               <a:rPr lang="en-US" dirty="0"/>
               <a:pPr/>
-              <a:t>4/4/2024</a:t>
+              <a:t>4/25/2024</a:t>
             </a:fld>
             <a:endParaRPr lang="en-US" dirty="0"/>
           </a:p>
@@ -3034,7 +3034,7 @@
             <a:fld id="{B61BEF0D-F0BB-DE4B-95CE-6DB70DBA9567}" type="datetimeFigureOut">
               <a:rPr lang="en-US" dirty="0"/>
               <a:pPr/>
-              <a:t>4/4/2024</a:t>
+              <a:t>4/25/2024</a:t>
             </a:fld>
             <a:endParaRPr lang="en-US" dirty="0"/>
           </a:p>
@@ -3242,7 +3242,7 @@
             <a:fld id="{B61BEF0D-F0BB-DE4B-95CE-6DB70DBA9567}" type="datetimeFigureOut">
               <a:rPr lang="en-US" dirty="0"/>
               <a:pPr/>
-              <a:t>4/4/2024</a:t>
+              <a:t>4/25/2024</a:t>
             </a:fld>
             <a:endParaRPr lang="en-US" dirty="0"/>
           </a:p>
@@ -3926,40 +3926,13 @@
           </a:p>
           <a:p>
             <a:r>
-              <a:rPr lang="en-IN" dirty="0" err="1">
-                <a:solidFill>
-                  <a:schemeClr val="bg1"/>
-                </a:solidFill>
-                <a:latin typeface="Bahnschrift Light" panose="020B0502040204020203" pitchFamily="34" charset="0"/>
-              </a:rPr>
-              <a:t>Krithika</a:t>
-            </a:r>
-            <a:r>
               <a:rPr lang="en-IN" dirty="0">
                 <a:solidFill>
                   <a:schemeClr val="bg1"/>
                 </a:solidFill>
                 <a:latin typeface="Bahnschrift Light" panose="020B0502040204020203" pitchFamily="34" charset="0"/>
               </a:rPr>
-              <a:t> </a:t>
-            </a:r>
-            <a:r>
-              <a:rPr lang="en-IN" dirty="0" err="1">
-                <a:solidFill>
-                  <a:schemeClr val="bg1"/>
-                </a:solidFill>
-                <a:latin typeface="Bahnschrift Light" panose="020B0502040204020203" pitchFamily="34" charset="0"/>
-              </a:rPr>
-              <a:t>Janarthanam</a:t>
-            </a:r>
-            <a:r>
-              <a:rPr lang="en-IN" dirty="0">
-                <a:solidFill>
-                  <a:schemeClr val="bg1"/>
-                </a:solidFill>
-                <a:latin typeface="Bahnschrift Light" panose="020B0502040204020203" pitchFamily="34" charset="0"/>
-              </a:rPr>
-              <a:t> </a:t>
+              <a:t>Nagamangalam Meyyappan</a:t>
             </a:r>
           </a:p>
           <a:p>
